--- a/figures/figure3.pptx
+++ b/figures/figure3.pptx
@@ -104,6 +104,11 @@
       </a:defRPr>
     </a:lvl9pPr>
   </p:defaultTextStyle>
+  <p:extLst>
+    <p:ext uri="{EFAFB233-063F-42B5-8137-9DF3F51BA10A}">
+      <p15:sldGuideLst xmlns:p15="http://schemas.microsoft.com/office/powerpoint/2012/main"/>
+    </p:ext>
+  </p:extLst>
 </p:presentation>
 </file>
 
@@ -254,7 +259,7 @@
           <a:p>
             <a:fld id="{585353AE-F9D3-5641-AA34-42930FE16F63}" type="datetimeFigureOut">
               <a:rPr lang="en-US" smtClean="0"/>
-              <a:t>3/17/20</a:t>
+              <a:t>3/25/20</a:t>
             </a:fld>
             <a:endParaRPr lang="en-US"/>
           </a:p>
@@ -452,7 +457,7 @@
           <a:p>
             <a:fld id="{585353AE-F9D3-5641-AA34-42930FE16F63}" type="datetimeFigureOut">
               <a:rPr lang="en-US" smtClean="0"/>
-              <a:t>3/17/20</a:t>
+              <a:t>3/25/20</a:t>
             </a:fld>
             <a:endParaRPr lang="en-US"/>
           </a:p>
@@ -660,7 +665,7 @@
           <a:p>
             <a:fld id="{585353AE-F9D3-5641-AA34-42930FE16F63}" type="datetimeFigureOut">
               <a:rPr lang="en-US" smtClean="0"/>
-              <a:t>3/17/20</a:t>
+              <a:t>3/25/20</a:t>
             </a:fld>
             <a:endParaRPr lang="en-US"/>
           </a:p>
@@ -858,7 +863,7 @@
           <a:p>
             <a:fld id="{585353AE-F9D3-5641-AA34-42930FE16F63}" type="datetimeFigureOut">
               <a:rPr lang="en-US" smtClean="0"/>
-              <a:t>3/17/20</a:t>
+              <a:t>3/25/20</a:t>
             </a:fld>
             <a:endParaRPr lang="en-US"/>
           </a:p>
@@ -1133,7 +1138,7 @@
           <a:p>
             <a:fld id="{585353AE-F9D3-5641-AA34-42930FE16F63}" type="datetimeFigureOut">
               <a:rPr lang="en-US" smtClean="0"/>
-              <a:t>3/17/20</a:t>
+              <a:t>3/25/20</a:t>
             </a:fld>
             <a:endParaRPr lang="en-US"/>
           </a:p>
@@ -1398,7 +1403,7 @@
           <a:p>
             <a:fld id="{585353AE-F9D3-5641-AA34-42930FE16F63}" type="datetimeFigureOut">
               <a:rPr lang="en-US" smtClean="0"/>
-              <a:t>3/17/20</a:t>
+              <a:t>3/25/20</a:t>
             </a:fld>
             <a:endParaRPr lang="en-US"/>
           </a:p>
@@ -1810,7 +1815,7 @@
           <a:p>
             <a:fld id="{585353AE-F9D3-5641-AA34-42930FE16F63}" type="datetimeFigureOut">
               <a:rPr lang="en-US" smtClean="0"/>
-              <a:t>3/17/20</a:t>
+              <a:t>3/25/20</a:t>
             </a:fld>
             <a:endParaRPr lang="en-US"/>
           </a:p>
@@ -1951,7 +1956,7 @@
           <a:p>
             <a:fld id="{585353AE-F9D3-5641-AA34-42930FE16F63}" type="datetimeFigureOut">
               <a:rPr lang="en-US" smtClean="0"/>
-              <a:t>3/17/20</a:t>
+              <a:t>3/25/20</a:t>
             </a:fld>
             <a:endParaRPr lang="en-US"/>
           </a:p>
@@ -2064,7 +2069,7 @@
           <a:p>
             <a:fld id="{585353AE-F9D3-5641-AA34-42930FE16F63}" type="datetimeFigureOut">
               <a:rPr lang="en-US" smtClean="0"/>
-              <a:t>3/17/20</a:t>
+              <a:t>3/25/20</a:t>
             </a:fld>
             <a:endParaRPr lang="en-US"/>
           </a:p>
@@ -2375,7 +2380,7 @@
           <a:p>
             <a:fld id="{585353AE-F9D3-5641-AA34-42930FE16F63}" type="datetimeFigureOut">
               <a:rPr lang="en-US" smtClean="0"/>
-              <a:t>3/17/20</a:t>
+              <a:t>3/25/20</a:t>
             </a:fld>
             <a:endParaRPr lang="en-US"/>
           </a:p>
@@ -2663,7 +2668,7 @@
           <a:p>
             <a:fld id="{585353AE-F9D3-5641-AA34-42930FE16F63}" type="datetimeFigureOut">
               <a:rPr lang="en-US" smtClean="0"/>
-              <a:t>3/17/20</a:t>
+              <a:t>3/25/20</a:t>
             </a:fld>
             <a:endParaRPr lang="en-US"/>
           </a:p>
@@ -2904,7 +2909,7 @@
           <a:p>
             <a:fld id="{585353AE-F9D3-5641-AA34-42930FE16F63}" type="datetimeFigureOut">
               <a:rPr lang="en-US" smtClean="0"/>
-              <a:t>3/17/20</a:t>
+              <a:t>3/25/20</a:t>
             </a:fld>
             <a:endParaRPr lang="en-US"/>
           </a:p>
@@ -3323,10 +3328,10 @@
       </p:grpSpPr>
       <p:grpSp>
         <p:nvGrpSpPr>
-          <p:cNvPr id="20" name="Group 19">
-            <a:extLst>
-              <a:ext uri="{FF2B5EF4-FFF2-40B4-BE49-F238E27FC236}">
-                <a16:creationId xmlns:a16="http://schemas.microsoft.com/office/drawing/2014/main" id="{A8D4B851-E4C1-FA49-9C67-1AAB0949FB7D}"/>
+          <p:cNvPr id="2" name="Group 1">
+            <a:extLst>
+              <a:ext uri="{FF2B5EF4-FFF2-40B4-BE49-F238E27FC236}">
+                <a16:creationId xmlns:a16="http://schemas.microsoft.com/office/drawing/2014/main" id="{86F56257-D17D-154D-AC87-FD85BE83C8D5}"/>
               </a:ext>
             </a:extLst>
           </p:cNvPr>
@@ -3335,18 +3340,18 @@
         </p:nvGrpSpPr>
         <p:grpSpPr>
           <a:xfrm>
-            <a:off x="2157247" y="400072"/>
-            <a:ext cx="7291552" cy="6349039"/>
-            <a:chOff x="2157247" y="400072"/>
-            <a:chExt cx="7291552" cy="6349039"/>
+            <a:off x="2157247" y="46509"/>
+            <a:ext cx="7291552" cy="6737921"/>
+            <a:chOff x="2157247" y="120079"/>
+            <a:chExt cx="7291552" cy="6737921"/>
           </a:xfrm>
         </p:grpSpPr>
         <p:grpSp>
           <p:nvGrpSpPr>
-            <p:cNvPr id="16" name="Group 15">
+            <p:cNvPr id="20" name="Group 19">
               <a:extLst>
                 <a:ext uri="{FF2B5EF4-FFF2-40B4-BE49-F238E27FC236}">
-                  <a16:creationId xmlns:a16="http://schemas.microsoft.com/office/drawing/2014/main" id="{E27BA859-94DF-1440-A4CF-E316BBBF782E}"/>
+                  <a16:creationId xmlns:a16="http://schemas.microsoft.com/office/drawing/2014/main" id="{A8D4B851-E4C1-FA49-9C67-1AAB0949FB7D}"/>
                 </a:ext>
               </a:extLst>
             </p:cNvPr>
@@ -3355,175 +3360,91 @@
           </p:nvGrpSpPr>
           <p:grpSpPr>
             <a:xfrm>
-              <a:off x="2255122" y="632090"/>
-              <a:ext cx="7193677" cy="3037490"/>
-              <a:chOff x="1085192" y="1397875"/>
-              <a:chExt cx="7193677" cy="3037490"/>
+              <a:off x="2157247" y="120079"/>
+              <a:ext cx="7291552" cy="3269508"/>
+              <a:chOff x="2157247" y="400072"/>
+              <a:chExt cx="7291552" cy="3269508"/>
             </a:xfrm>
           </p:grpSpPr>
-          <p:pic>
-            <p:nvPicPr>
-              <p:cNvPr id="14" name="Picture 13">
+          <p:grpSp>
+            <p:nvGrpSpPr>
+              <p:cNvPr id="16" name="Group 15">
                 <a:extLst>
                   <a:ext uri="{FF2B5EF4-FFF2-40B4-BE49-F238E27FC236}">
-                    <a16:creationId xmlns:a16="http://schemas.microsoft.com/office/drawing/2014/main" id="{72C54ED6-B2A8-184A-8AFA-0C5EE4904EFE}"/>
+                    <a16:creationId xmlns:a16="http://schemas.microsoft.com/office/drawing/2014/main" id="{E27BA859-94DF-1440-A4CF-E316BBBF782E}"/>
                   </a:ext>
                 </a:extLst>
               </p:cNvPr>
-              <p:cNvPicPr>
-                <a:picLocks noChangeAspect="1"/>
-              </p:cNvPicPr>
+              <p:cNvGrpSpPr/>
               <p:nvPr/>
-            </p:nvPicPr>
-            <p:blipFill rotWithShape="1">
-              <a:blip r:embed="rId2"/>
-              <a:srcRect t="17783" r="8302" b="4815"/>
-              <a:stretch/>
-            </p:blipFill>
-            <p:spPr>
+            </p:nvGrpSpPr>
+            <p:grpSpPr>
               <a:xfrm>
-                <a:off x="4680388" y="1397875"/>
-                <a:ext cx="3598481" cy="3037490"/>
+                <a:off x="2255122" y="632090"/>
+                <a:ext cx="7193677" cy="3037490"/>
+                <a:chOff x="1085192" y="1397875"/>
+                <a:chExt cx="7193677" cy="3037490"/>
               </a:xfrm>
-              <a:prstGeom prst="rect">
-                <a:avLst/>
-              </a:prstGeom>
-            </p:spPr>
-          </p:pic>
-          <p:pic>
-            <p:nvPicPr>
-              <p:cNvPr id="15" name="Picture 14">
-                <a:extLst>
-                  <a:ext uri="{FF2B5EF4-FFF2-40B4-BE49-F238E27FC236}">
-                    <a16:creationId xmlns:a16="http://schemas.microsoft.com/office/drawing/2014/main" id="{86F24512-DAC1-0042-887D-CB488316783A}"/>
-                  </a:ext>
-                </a:extLst>
-              </p:cNvPr>
-              <p:cNvPicPr>
-                <a:picLocks noChangeAspect="1"/>
-              </p:cNvPicPr>
-              <p:nvPr/>
-            </p:nvPicPr>
-            <p:blipFill rotWithShape="1">
-              <a:blip r:embed="rId3"/>
-              <a:srcRect l="368" t="17783" r="8387" b="4815"/>
-              <a:stretch/>
-            </p:blipFill>
-            <p:spPr>
-              <a:xfrm>
-                <a:off x="1085192" y="1397875"/>
-                <a:ext cx="3580743" cy="3037490"/>
-              </a:xfrm>
-              <a:prstGeom prst="rect">
-                <a:avLst/>
-              </a:prstGeom>
-            </p:spPr>
-          </p:pic>
-        </p:grpSp>
-        <p:grpSp>
-          <p:nvGrpSpPr>
-            <p:cNvPr id="13" name="Group 12">
-              <a:extLst>
-                <a:ext uri="{FF2B5EF4-FFF2-40B4-BE49-F238E27FC236}">
-                  <a16:creationId xmlns:a16="http://schemas.microsoft.com/office/drawing/2014/main" id="{1936604F-4DE3-EA4C-9789-287F9536BE30}"/>
-                </a:ext>
-              </a:extLst>
-            </p:cNvPr>
-            <p:cNvGrpSpPr/>
-            <p:nvPr/>
-          </p:nvGrpSpPr>
-          <p:grpSpPr>
-            <a:xfrm>
-              <a:off x="2157247" y="405383"/>
-              <a:ext cx="7291552" cy="6343728"/>
-              <a:chOff x="2073165" y="-993962"/>
-              <a:chExt cx="7291552" cy="6343728"/>
-            </a:xfrm>
-          </p:grpSpPr>
-          <p:pic>
-            <p:nvPicPr>
-              <p:cNvPr id="5" name="Picture 4">
-                <a:extLst>
-                  <a:ext uri="{FF2B5EF4-FFF2-40B4-BE49-F238E27FC236}">
-                    <a16:creationId xmlns:a16="http://schemas.microsoft.com/office/drawing/2014/main" id="{E702CCF7-E708-6E49-BA71-EADE04DF94DC}"/>
-                  </a:ext>
-                </a:extLst>
-              </p:cNvPr>
-              <p:cNvPicPr>
-                <a:picLocks noChangeAspect="1"/>
-              </p:cNvPicPr>
-              <p:nvPr/>
-            </p:nvPicPr>
-            <p:blipFill rotWithShape="1">
-              <a:blip r:embed="rId4">
-                <a:clrChange>
-                  <a:clrFrom>
-                    <a:srgbClr val="000000">
-                      <a:alpha val="0"/>
-                    </a:srgbClr>
-                  </a:clrFrom>
-                  <a:clrTo>
-                    <a:srgbClr val="000000">
-                      <a:alpha val="0"/>
-                    </a:srgbClr>
-                  </a:clrTo>
-                </a:clrChange>
-              </a:blip>
-              <a:srcRect t="18330" r="8754" b="3197"/>
-              <a:stretch/>
-            </p:blipFill>
-            <p:spPr>
-              <a:xfrm>
-                <a:off x="5783974" y="2270235"/>
-                <a:ext cx="3580743" cy="3079531"/>
-              </a:xfrm>
-              <a:prstGeom prst="rect">
-                <a:avLst/>
-              </a:prstGeom>
-            </p:spPr>
-          </p:pic>
-          <p:pic>
-            <p:nvPicPr>
-              <p:cNvPr id="7" name="Picture 6">
-                <a:extLst>
-                  <a:ext uri="{FF2B5EF4-FFF2-40B4-BE49-F238E27FC236}">
-                    <a16:creationId xmlns:a16="http://schemas.microsoft.com/office/drawing/2014/main" id="{746774AA-A0CC-604C-8B44-88D15CBC7D79}"/>
-                  </a:ext>
-                </a:extLst>
-              </p:cNvPr>
-              <p:cNvPicPr>
-                <a:picLocks noChangeAspect="1"/>
-              </p:cNvPicPr>
-              <p:nvPr/>
-            </p:nvPicPr>
-            <p:blipFill rotWithShape="1">
-              <a:blip r:embed="rId5">
-                <a:clrChange>
-                  <a:clrFrom>
-                    <a:srgbClr val="000000">
-                      <a:alpha val="0"/>
-                    </a:srgbClr>
-                  </a:clrFrom>
-                  <a:clrTo>
-                    <a:srgbClr val="000000">
-                      <a:alpha val="0"/>
-                    </a:srgbClr>
-                  </a:clrTo>
-                </a:clrChange>
-              </a:blip>
-              <a:srcRect t="17526" r="8386" b="4001"/>
-              <a:stretch/>
-            </p:blipFill>
-            <p:spPr>
-              <a:xfrm>
-                <a:off x="2188778" y="2270235"/>
-                <a:ext cx="3595196" cy="3079531"/>
-              </a:xfrm>
-              <a:prstGeom prst="rect">
-                <a:avLst/>
-              </a:prstGeom>
-            </p:spPr>
-          </p:pic>
+            </p:grpSpPr>
+            <p:pic>
+              <p:nvPicPr>
+                <p:cNvPr id="14" name="Picture 13">
+                  <a:extLst>
+                    <a:ext uri="{FF2B5EF4-FFF2-40B4-BE49-F238E27FC236}">
+                      <a16:creationId xmlns:a16="http://schemas.microsoft.com/office/drawing/2014/main" id="{72C54ED6-B2A8-184A-8AFA-0C5EE4904EFE}"/>
+                    </a:ext>
+                  </a:extLst>
+                </p:cNvPr>
+                <p:cNvPicPr>
+                  <a:picLocks noChangeAspect="1"/>
+                </p:cNvPicPr>
+                <p:nvPr/>
+              </p:nvPicPr>
+              <p:blipFill rotWithShape="1">
+                <a:blip r:embed="rId2"/>
+                <a:srcRect t="17783" r="8302" b="4815"/>
+                <a:stretch/>
+              </p:blipFill>
+              <p:spPr>
+                <a:xfrm>
+                  <a:off x="4680388" y="1397875"/>
+                  <a:ext cx="3598481" cy="3037490"/>
+                </a:xfrm>
+                <a:prstGeom prst="rect">
+                  <a:avLst/>
+                </a:prstGeom>
+              </p:spPr>
+            </p:pic>
+            <p:pic>
+              <p:nvPicPr>
+                <p:cNvPr id="15" name="Picture 14">
+                  <a:extLst>
+                    <a:ext uri="{FF2B5EF4-FFF2-40B4-BE49-F238E27FC236}">
+                      <a16:creationId xmlns:a16="http://schemas.microsoft.com/office/drawing/2014/main" id="{86F24512-DAC1-0042-887D-CB488316783A}"/>
+                    </a:ext>
+                  </a:extLst>
+                </p:cNvPr>
+                <p:cNvPicPr>
+                  <a:picLocks noChangeAspect="1"/>
+                </p:cNvPicPr>
+                <p:nvPr/>
+              </p:nvPicPr>
+              <p:blipFill rotWithShape="1">
+                <a:blip r:embed="rId3"/>
+                <a:srcRect l="368" t="17783" r="8387" b="4815"/>
+                <a:stretch/>
+              </p:blipFill>
+              <p:spPr>
+                <a:xfrm>
+                  <a:off x="1085192" y="1397875"/>
+                  <a:ext cx="3580743" cy="3037490"/>
+                </a:xfrm>
+                <a:prstGeom prst="rect">
+                  <a:avLst/>
+                </a:prstGeom>
+              </p:spPr>
+            </p:pic>
+          </p:grpSp>
           <p:sp>
             <p:nvSpPr>
               <p:cNvPr id="11" name="TextBox 10">
@@ -3538,7 +3459,7 @@
             </p:nvSpPr>
             <p:spPr>
               <a:xfrm>
-                <a:off x="2073165" y="-993962"/>
+                <a:off x="2157247" y="405383"/>
                 <a:ext cx="652299" cy="369332"/>
               </a:xfrm>
               <a:prstGeom prst="rect">
@@ -3560,115 +3481,241 @@
               </a:p>
             </p:txBody>
           </p:sp>
+          <p:sp>
+            <p:nvSpPr>
+              <p:cNvPr id="17" name="TextBox 16">
+                <a:extLst>
+                  <a:ext uri="{FF2B5EF4-FFF2-40B4-BE49-F238E27FC236}">
+                    <a16:creationId xmlns:a16="http://schemas.microsoft.com/office/drawing/2014/main" id="{BBC10F6F-BF2C-2C4B-8CF5-08C457C12B12}"/>
+                  </a:ext>
+                </a:extLst>
+              </p:cNvPr>
+              <p:cNvSpPr txBox="1"/>
+              <p:nvPr/>
+            </p:nvSpPr>
+            <p:spPr>
+              <a:xfrm>
+                <a:off x="5836524" y="400072"/>
+                <a:ext cx="652299" cy="369332"/>
+              </a:xfrm>
+              <a:prstGeom prst="rect">
+                <a:avLst/>
+              </a:prstGeom>
+              <a:noFill/>
+            </p:spPr>
+            <p:txBody>
+              <a:bodyPr wrap="square" rtlCol="0">
+                <a:spAutoFit/>
+              </a:bodyPr>
+              <a:lstStyle/>
+              <a:p>
+                <a:pPr algn="ctr"/>
+                <a:r>
+                  <a:rPr lang="en-US" b="1" dirty="0"/>
+                  <a:t>B</a:t>
+                </a:r>
+              </a:p>
+            </p:txBody>
+          </p:sp>
         </p:grpSp>
-        <p:sp>
-          <p:nvSpPr>
-            <p:cNvPr id="17" name="TextBox 16">
+        <p:grpSp>
+          <p:nvGrpSpPr>
+            <p:cNvPr id="21" name="Group 20">
               <a:extLst>
                 <a:ext uri="{FF2B5EF4-FFF2-40B4-BE49-F238E27FC236}">
-                  <a16:creationId xmlns:a16="http://schemas.microsoft.com/office/drawing/2014/main" id="{BBC10F6F-BF2C-2C4B-8CF5-08C457C12B12}"/>
+                  <a16:creationId xmlns:a16="http://schemas.microsoft.com/office/drawing/2014/main" id="{042BF9A9-92FD-9746-A040-257F6BEA4C13}"/>
                 </a:ext>
               </a:extLst>
             </p:cNvPr>
-            <p:cNvSpPr txBox="1"/>
+            <p:cNvGrpSpPr/>
             <p:nvPr/>
-          </p:nvSpPr>
-          <p:spPr>
+          </p:nvGrpSpPr>
+          <p:grpSpPr>
             <a:xfrm>
-              <a:off x="5836524" y="400072"/>
-              <a:ext cx="652299" cy="369332"/>
+              <a:off x="2224573" y="3509722"/>
+              <a:ext cx="7222583" cy="3348278"/>
+              <a:chOff x="2226216" y="3400833"/>
+              <a:chExt cx="7222583" cy="3348278"/>
             </a:xfrm>
-            <a:prstGeom prst="rect">
-              <a:avLst/>
-            </a:prstGeom>
-            <a:noFill/>
-          </p:spPr>
-          <p:txBody>
-            <a:bodyPr wrap="square" rtlCol="0">
-              <a:spAutoFit/>
-            </a:bodyPr>
-            <a:lstStyle/>
-            <a:p>
-              <a:pPr algn="ctr"/>
-              <a:r>
-                <a:rPr lang="en-US" b="1" dirty="0"/>
-                <a:t>B</a:t>
-              </a:r>
-            </a:p>
-          </p:txBody>
-        </p:sp>
-        <p:sp>
-          <p:nvSpPr>
-            <p:cNvPr id="18" name="TextBox 17">
-              <a:extLst>
-                <a:ext uri="{FF2B5EF4-FFF2-40B4-BE49-F238E27FC236}">
-                  <a16:creationId xmlns:a16="http://schemas.microsoft.com/office/drawing/2014/main" id="{4C5CDB34-ACE4-8D42-8F4A-4D3059EACE7D}"/>
-                </a:ext>
-              </a:extLst>
-            </p:cNvPr>
-            <p:cNvSpPr txBox="1"/>
-            <p:nvPr/>
-          </p:nvSpPr>
-          <p:spPr>
-            <a:xfrm>
-              <a:off x="2226216" y="3400833"/>
-              <a:ext cx="652299" cy="369332"/>
-            </a:xfrm>
-            <a:prstGeom prst="rect">
-              <a:avLst/>
-            </a:prstGeom>
-            <a:noFill/>
-          </p:spPr>
-          <p:txBody>
-            <a:bodyPr wrap="square" rtlCol="0">
-              <a:spAutoFit/>
-            </a:bodyPr>
-            <a:lstStyle/>
-            <a:p>
-              <a:pPr algn="ctr"/>
-              <a:r>
-                <a:rPr lang="en-US" b="1" dirty="0"/>
-                <a:t>C</a:t>
-              </a:r>
-            </a:p>
-          </p:txBody>
-        </p:sp>
-        <p:sp>
-          <p:nvSpPr>
-            <p:cNvPr id="19" name="TextBox 18">
-              <a:extLst>
-                <a:ext uri="{FF2B5EF4-FFF2-40B4-BE49-F238E27FC236}">
-                  <a16:creationId xmlns:a16="http://schemas.microsoft.com/office/drawing/2014/main" id="{C1E3F99E-220E-FD48-B6A0-2B68D3E6B0F4}"/>
-                </a:ext>
-              </a:extLst>
-            </p:cNvPr>
-            <p:cNvSpPr txBox="1"/>
-            <p:nvPr/>
-          </p:nvSpPr>
-          <p:spPr>
-            <a:xfrm>
-              <a:off x="5831922" y="3400833"/>
-              <a:ext cx="652299" cy="369332"/>
-            </a:xfrm>
-            <a:prstGeom prst="rect">
-              <a:avLst/>
-            </a:prstGeom>
-            <a:noFill/>
-          </p:spPr>
-          <p:txBody>
-            <a:bodyPr wrap="square" rtlCol="0">
-              <a:spAutoFit/>
-            </a:bodyPr>
-            <a:lstStyle/>
-            <a:p>
-              <a:pPr algn="ctr"/>
-              <a:r>
-                <a:rPr lang="en-US" b="1" dirty="0"/>
-                <a:t>D</a:t>
-              </a:r>
-            </a:p>
-          </p:txBody>
-        </p:sp>
+          </p:grpSpPr>
+          <p:grpSp>
+            <p:nvGrpSpPr>
+              <p:cNvPr id="23" name="Group 22">
+                <a:extLst>
+                  <a:ext uri="{FF2B5EF4-FFF2-40B4-BE49-F238E27FC236}">
+                    <a16:creationId xmlns:a16="http://schemas.microsoft.com/office/drawing/2014/main" id="{6C17CE0D-E56A-4843-9F90-8CB50D1B0806}"/>
+                  </a:ext>
+                </a:extLst>
+              </p:cNvPr>
+              <p:cNvGrpSpPr/>
+              <p:nvPr/>
+            </p:nvGrpSpPr>
+            <p:grpSpPr>
+              <a:xfrm>
+                <a:off x="2272860" y="3669580"/>
+                <a:ext cx="7175939" cy="3079531"/>
+                <a:chOff x="2188778" y="2270235"/>
+                <a:chExt cx="7175939" cy="3079531"/>
+              </a:xfrm>
+            </p:grpSpPr>
+            <p:pic>
+              <p:nvPicPr>
+                <p:cNvPr id="27" name="Picture 26">
+                  <a:extLst>
+                    <a:ext uri="{FF2B5EF4-FFF2-40B4-BE49-F238E27FC236}">
+                      <a16:creationId xmlns:a16="http://schemas.microsoft.com/office/drawing/2014/main" id="{365E9B27-6E36-7F41-9CC7-8444102972A7}"/>
+                    </a:ext>
+                  </a:extLst>
+                </p:cNvPr>
+                <p:cNvPicPr>
+                  <a:picLocks noChangeAspect="1"/>
+                </p:cNvPicPr>
+                <p:nvPr/>
+              </p:nvPicPr>
+              <p:blipFill rotWithShape="1">
+                <a:blip r:embed="rId4">
+                  <a:clrChange>
+                    <a:clrFrom>
+                      <a:srgbClr val="000000">
+                        <a:alpha val="0"/>
+                      </a:srgbClr>
+                    </a:clrFrom>
+                    <a:clrTo>
+                      <a:srgbClr val="000000">
+                        <a:alpha val="0"/>
+                      </a:srgbClr>
+                    </a:clrTo>
+                  </a:clrChange>
+                </a:blip>
+                <a:srcRect t="18330" r="8754" b="3197"/>
+                <a:stretch/>
+              </p:blipFill>
+              <p:spPr>
+                <a:xfrm>
+                  <a:off x="5783974" y="2270235"/>
+                  <a:ext cx="3580743" cy="3079531"/>
+                </a:xfrm>
+                <a:prstGeom prst="rect">
+                  <a:avLst/>
+                </a:prstGeom>
+              </p:spPr>
+            </p:pic>
+            <p:pic>
+              <p:nvPicPr>
+                <p:cNvPr id="28" name="Picture 27">
+                  <a:extLst>
+                    <a:ext uri="{FF2B5EF4-FFF2-40B4-BE49-F238E27FC236}">
+                      <a16:creationId xmlns:a16="http://schemas.microsoft.com/office/drawing/2014/main" id="{47E6C5E7-F5E9-294C-B329-61E21E9A6AD5}"/>
+                    </a:ext>
+                  </a:extLst>
+                </p:cNvPr>
+                <p:cNvPicPr>
+                  <a:picLocks noChangeAspect="1"/>
+                </p:cNvPicPr>
+                <p:nvPr/>
+              </p:nvPicPr>
+              <p:blipFill rotWithShape="1">
+                <a:blip r:embed="rId5">
+                  <a:clrChange>
+                    <a:clrFrom>
+                      <a:srgbClr val="000000">
+                        <a:alpha val="0"/>
+                      </a:srgbClr>
+                    </a:clrFrom>
+                    <a:clrTo>
+                      <a:srgbClr val="000000">
+                        <a:alpha val="0"/>
+                      </a:srgbClr>
+                    </a:clrTo>
+                  </a:clrChange>
+                </a:blip>
+                <a:srcRect t="17526" r="8386" b="4001"/>
+                <a:stretch/>
+              </p:blipFill>
+              <p:spPr>
+                <a:xfrm>
+                  <a:off x="2188778" y="2270235"/>
+                  <a:ext cx="3595196" cy="3079531"/>
+                </a:xfrm>
+                <a:prstGeom prst="rect">
+                  <a:avLst/>
+                </a:prstGeom>
+              </p:spPr>
+            </p:pic>
+          </p:grpSp>
+          <p:sp>
+            <p:nvSpPr>
+              <p:cNvPr id="25" name="TextBox 24">
+                <a:extLst>
+                  <a:ext uri="{FF2B5EF4-FFF2-40B4-BE49-F238E27FC236}">
+                    <a16:creationId xmlns:a16="http://schemas.microsoft.com/office/drawing/2014/main" id="{7538D2CD-6550-CA45-B83F-0C87210C9EFD}"/>
+                  </a:ext>
+                </a:extLst>
+              </p:cNvPr>
+              <p:cNvSpPr txBox="1"/>
+              <p:nvPr/>
+            </p:nvSpPr>
+            <p:spPr>
+              <a:xfrm>
+                <a:off x="2226216" y="3400833"/>
+                <a:ext cx="652299" cy="369332"/>
+              </a:xfrm>
+              <a:prstGeom prst="rect">
+                <a:avLst/>
+              </a:prstGeom>
+              <a:noFill/>
+            </p:spPr>
+            <p:txBody>
+              <a:bodyPr wrap="square" rtlCol="0">
+                <a:spAutoFit/>
+              </a:bodyPr>
+              <a:lstStyle/>
+              <a:p>
+                <a:pPr algn="ctr"/>
+                <a:r>
+                  <a:rPr lang="en-US" b="1" dirty="0"/>
+                  <a:t>C</a:t>
+                </a:r>
+              </a:p>
+            </p:txBody>
+          </p:sp>
+          <p:sp>
+            <p:nvSpPr>
+              <p:cNvPr id="26" name="TextBox 25">
+                <a:extLst>
+                  <a:ext uri="{FF2B5EF4-FFF2-40B4-BE49-F238E27FC236}">
+                    <a16:creationId xmlns:a16="http://schemas.microsoft.com/office/drawing/2014/main" id="{2C22B6F5-B58C-5D4E-8731-6A1089C50361}"/>
+                  </a:ext>
+                </a:extLst>
+              </p:cNvPr>
+              <p:cNvSpPr txBox="1"/>
+              <p:nvPr/>
+            </p:nvSpPr>
+            <p:spPr>
+              <a:xfrm>
+                <a:off x="5831922" y="3400833"/>
+                <a:ext cx="652299" cy="369332"/>
+              </a:xfrm>
+              <a:prstGeom prst="rect">
+                <a:avLst/>
+              </a:prstGeom>
+              <a:noFill/>
+            </p:spPr>
+            <p:txBody>
+              <a:bodyPr wrap="square" rtlCol="0">
+                <a:spAutoFit/>
+              </a:bodyPr>
+              <a:lstStyle/>
+              <a:p>
+                <a:pPr algn="ctr"/>
+                <a:r>
+                  <a:rPr lang="en-US" b="1" dirty="0"/>
+                  <a:t>D</a:t>
+                </a:r>
+              </a:p>
+            </p:txBody>
+          </p:sp>
+        </p:grpSp>
       </p:grpSp>
     </p:spTree>
     <p:extLst>

--- a/figures/figure3.pptx
+++ b/figures/figure3.pptx
@@ -3326,6 +3326,49 @@
           <a:chExt cx="0" cy="0"/>
         </a:xfrm>
       </p:grpSpPr>
+      <p:pic>
+        <p:nvPicPr>
+          <p:cNvPr id="4" name="Picture 3">
+            <a:extLst>
+              <a:ext uri="{FF2B5EF4-FFF2-40B4-BE49-F238E27FC236}">
+                <a16:creationId xmlns:a16="http://schemas.microsoft.com/office/drawing/2014/main" id="{F77C7848-B0E2-4849-9AD3-CF0E845B19AA}"/>
+              </a:ext>
+            </a:extLst>
+          </p:cNvPr>
+          <p:cNvPicPr>
+            <a:picLocks noChangeAspect="1"/>
+          </p:cNvPicPr>
+          <p:nvPr/>
+        </p:nvPicPr>
+        <p:blipFill>
+          <a:blip r:embed="rId2">
+            <a:clrChange>
+              <a:clrFrom>
+                <a:srgbClr val="000000">
+                  <a:alpha val="0"/>
+                </a:srgbClr>
+              </a:clrFrom>
+              <a:clrTo>
+                <a:srgbClr val="000000">
+                  <a:alpha val="0"/>
+                </a:srgbClr>
+              </a:clrTo>
+            </a:clrChange>
+          </a:blip>
+          <a:stretch>
+            <a:fillRect/>
+          </a:stretch>
+        </p:blipFill>
+        <p:spPr>
+          <a:xfrm>
+            <a:off x="2151003" y="2933700"/>
+            <a:ext cx="3924300" cy="3924300"/>
+          </a:xfrm>
+          <a:prstGeom prst="rect">
+            <a:avLst/>
+          </a:prstGeom>
+        </p:spPr>
+      </p:pic>
       <p:grpSp>
         <p:nvGrpSpPr>
           <p:cNvPr id="2" name="Group 1">
@@ -3380,10 +3423,10 @@
             </p:nvGrpSpPr>
             <p:grpSpPr>
               <a:xfrm>
-                <a:off x="2255122" y="632090"/>
-                <a:ext cx="7193677" cy="3037490"/>
-                <a:chOff x="1085192" y="1397875"/>
-                <a:chExt cx="7193677" cy="3037490"/>
+                <a:off x="2161513" y="632090"/>
+                <a:ext cx="7287286" cy="3037490"/>
+                <a:chOff x="991583" y="1397875"/>
+                <a:chExt cx="7287286" cy="3037490"/>
               </a:xfrm>
             </p:grpSpPr>
             <p:pic>
@@ -3401,7 +3444,7 @@
                 <p:nvPr/>
               </p:nvPicPr>
               <p:blipFill rotWithShape="1">
-                <a:blip r:embed="rId2"/>
+                <a:blip r:embed="rId3"/>
                 <a:srcRect t="17783" r="8302" b="4815"/>
                 <a:stretch/>
               </p:blipFill>
@@ -3430,13 +3473,13 @@
                 <p:nvPr/>
               </p:nvPicPr>
               <p:blipFill rotWithShape="1">
-                <a:blip r:embed="rId3"/>
+                <a:blip r:embed="rId4"/>
                 <a:srcRect l="368" t="17783" r="8387" b="4815"/>
                 <a:stretch/>
               </p:blipFill>
               <p:spPr>
                 <a:xfrm>
-                  <a:off x="1085192" y="1397875"/>
+                  <a:off x="991583" y="1397875"/>
                   <a:ext cx="3580743" cy="3037490"/>
                 </a:xfrm>
                 <a:prstGeom prst="rect">
@@ -3538,111 +3581,48 @@
               <a:chExt cx="7222583" cy="3348278"/>
             </a:xfrm>
           </p:grpSpPr>
-          <p:grpSp>
-            <p:nvGrpSpPr>
-              <p:cNvPr id="23" name="Group 22">
+          <p:pic>
+            <p:nvPicPr>
+              <p:cNvPr id="27" name="Picture 26">
                 <a:extLst>
                   <a:ext uri="{FF2B5EF4-FFF2-40B4-BE49-F238E27FC236}">
-                    <a16:creationId xmlns:a16="http://schemas.microsoft.com/office/drawing/2014/main" id="{6C17CE0D-E56A-4843-9F90-8CB50D1B0806}"/>
+                    <a16:creationId xmlns:a16="http://schemas.microsoft.com/office/drawing/2014/main" id="{365E9B27-6E36-7F41-9CC7-8444102972A7}"/>
                   </a:ext>
                 </a:extLst>
               </p:cNvPr>
-              <p:cNvGrpSpPr/>
+              <p:cNvPicPr>
+                <a:picLocks noChangeAspect="1"/>
+              </p:cNvPicPr>
               <p:nvPr/>
-            </p:nvGrpSpPr>
-            <p:grpSpPr>
+            </p:nvPicPr>
+            <p:blipFill rotWithShape="1">
+              <a:blip r:embed="rId5">
+                <a:clrChange>
+                  <a:clrFrom>
+                    <a:srgbClr val="000000">
+                      <a:alpha val="0"/>
+                    </a:srgbClr>
+                  </a:clrFrom>
+                  <a:clrTo>
+                    <a:srgbClr val="000000">
+                      <a:alpha val="0"/>
+                    </a:srgbClr>
+                  </a:clrTo>
+                </a:clrChange>
+              </a:blip>
+              <a:srcRect t="18330" r="8754" b="3197"/>
+              <a:stretch/>
+            </p:blipFill>
+            <p:spPr>
               <a:xfrm>
-                <a:off x="2272860" y="3669580"/>
-                <a:ext cx="7175939" cy="3079531"/>
-                <a:chOff x="2188778" y="2270235"/>
-                <a:chExt cx="7175939" cy="3079531"/>
+                <a:off x="5868056" y="3669580"/>
+                <a:ext cx="3580743" cy="3079531"/>
               </a:xfrm>
-            </p:grpSpPr>
-            <p:pic>
-              <p:nvPicPr>
-                <p:cNvPr id="27" name="Picture 26">
-                  <a:extLst>
-                    <a:ext uri="{FF2B5EF4-FFF2-40B4-BE49-F238E27FC236}">
-                      <a16:creationId xmlns:a16="http://schemas.microsoft.com/office/drawing/2014/main" id="{365E9B27-6E36-7F41-9CC7-8444102972A7}"/>
-                    </a:ext>
-                  </a:extLst>
-                </p:cNvPr>
-                <p:cNvPicPr>
-                  <a:picLocks noChangeAspect="1"/>
-                </p:cNvPicPr>
-                <p:nvPr/>
-              </p:nvPicPr>
-              <p:blipFill rotWithShape="1">
-                <a:blip r:embed="rId4">
-                  <a:clrChange>
-                    <a:clrFrom>
-                      <a:srgbClr val="000000">
-                        <a:alpha val="0"/>
-                      </a:srgbClr>
-                    </a:clrFrom>
-                    <a:clrTo>
-                      <a:srgbClr val="000000">
-                        <a:alpha val="0"/>
-                      </a:srgbClr>
-                    </a:clrTo>
-                  </a:clrChange>
-                </a:blip>
-                <a:srcRect t="18330" r="8754" b="3197"/>
-                <a:stretch/>
-              </p:blipFill>
-              <p:spPr>
-                <a:xfrm>
-                  <a:off x="5783974" y="2270235"/>
-                  <a:ext cx="3580743" cy="3079531"/>
-                </a:xfrm>
-                <a:prstGeom prst="rect">
-                  <a:avLst/>
-                </a:prstGeom>
-              </p:spPr>
-            </p:pic>
-            <p:pic>
-              <p:nvPicPr>
-                <p:cNvPr id="28" name="Picture 27">
-                  <a:extLst>
-                    <a:ext uri="{FF2B5EF4-FFF2-40B4-BE49-F238E27FC236}">
-                      <a16:creationId xmlns:a16="http://schemas.microsoft.com/office/drawing/2014/main" id="{47E6C5E7-F5E9-294C-B329-61E21E9A6AD5}"/>
-                    </a:ext>
-                  </a:extLst>
-                </p:cNvPr>
-                <p:cNvPicPr>
-                  <a:picLocks noChangeAspect="1"/>
-                </p:cNvPicPr>
-                <p:nvPr/>
-              </p:nvPicPr>
-              <p:blipFill rotWithShape="1">
-                <a:blip r:embed="rId5">
-                  <a:clrChange>
-                    <a:clrFrom>
-                      <a:srgbClr val="000000">
-                        <a:alpha val="0"/>
-                      </a:srgbClr>
-                    </a:clrFrom>
-                    <a:clrTo>
-                      <a:srgbClr val="000000">
-                        <a:alpha val="0"/>
-                      </a:srgbClr>
-                    </a:clrTo>
-                  </a:clrChange>
-                </a:blip>
-                <a:srcRect t="17526" r="8386" b="4001"/>
-                <a:stretch/>
-              </p:blipFill>
-              <p:spPr>
-                <a:xfrm>
-                  <a:off x="2188778" y="2270235"/>
-                  <a:ext cx="3595196" cy="3079531"/>
-                </a:xfrm>
-                <a:prstGeom prst="rect">
-                  <a:avLst/>
-                </a:prstGeom>
-              </p:spPr>
-            </p:pic>
-          </p:grpSp>
+              <a:prstGeom prst="rect">
+                <a:avLst/>
+              </a:prstGeom>
+            </p:spPr>
+          </p:pic>
           <p:sp>
             <p:nvSpPr>
               <p:cNvPr id="25" name="TextBox 24">

--- a/figures/figure3.pptx
+++ b/figures/figure3.pptx
@@ -259,7 +259,7 @@
           <a:p>
             <a:fld id="{585353AE-F9D3-5641-AA34-42930FE16F63}" type="datetimeFigureOut">
               <a:rPr lang="en-US" smtClean="0"/>
-              <a:t>3/25/20</a:t>
+              <a:t>4/8/20</a:t>
             </a:fld>
             <a:endParaRPr lang="en-US"/>
           </a:p>
@@ -457,7 +457,7 @@
           <a:p>
             <a:fld id="{585353AE-F9D3-5641-AA34-42930FE16F63}" type="datetimeFigureOut">
               <a:rPr lang="en-US" smtClean="0"/>
-              <a:t>3/25/20</a:t>
+              <a:t>4/8/20</a:t>
             </a:fld>
             <a:endParaRPr lang="en-US"/>
           </a:p>
@@ -665,7 +665,7 @@
           <a:p>
             <a:fld id="{585353AE-F9D3-5641-AA34-42930FE16F63}" type="datetimeFigureOut">
               <a:rPr lang="en-US" smtClean="0"/>
-              <a:t>3/25/20</a:t>
+              <a:t>4/8/20</a:t>
             </a:fld>
             <a:endParaRPr lang="en-US"/>
           </a:p>
@@ -863,7 +863,7 @@
           <a:p>
             <a:fld id="{585353AE-F9D3-5641-AA34-42930FE16F63}" type="datetimeFigureOut">
               <a:rPr lang="en-US" smtClean="0"/>
-              <a:t>3/25/20</a:t>
+              <a:t>4/8/20</a:t>
             </a:fld>
             <a:endParaRPr lang="en-US"/>
           </a:p>
@@ -1138,7 +1138,7 @@
           <a:p>
             <a:fld id="{585353AE-F9D3-5641-AA34-42930FE16F63}" type="datetimeFigureOut">
               <a:rPr lang="en-US" smtClean="0"/>
-              <a:t>3/25/20</a:t>
+              <a:t>4/8/20</a:t>
             </a:fld>
             <a:endParaRPr lang="en-US"/>
           </a:p>
@@ -1403,7 +1403,7 @@
           <a:p>
             <a:fld id="{585353AE-F9D3-5641-AA34-42930FE16F63}" type="datetimeFigureOut">
               <a:rPr lang="en-US" smtClean="0"/>
-              <a:t>3/25/20</a:t>
+              <a:t>4/8/20</a:t>
             </a:fld>
             <a:endParaRPr lang="en-US"/>
           </a:p>
@@ -1815,7 +1815,7 @@
           <a:p>
             <a:fld id="{585353AE-F9D3-5641-AA34-42930FE16F63}" type="datetimeFigureOut">
               <a:rPr lang="en-US" smtClean="0"/>
-              <a:t>3/25/20</a:t>
+              <a:t>4/8/20</a:t>
             </a:fld>
             <a:endParaRPr lang="en-US"/>
           </a:p>
@@ -1956,7 +1956,7 @@
           <a:p>
             <a:fld id="{585353AE-F9D3-5641-AA34-42930FE16F63}" type="datetimeFigureOut">
               <a:rPr lang="en-US" smtClean="0"/>
-              <a:t>3/25/20</a:t>
+              <a:t>4/8/20</a:t>
             </a:fld>
             <a:endParaRPr lang="en-US"/>
           </a:p>
@@ -2069,7 +2069,7 @@
           <a:p>
             <a:fld id="{585353AE-F9D3-5641-AA34-42930FE16F63}" type="datetimeFigureOut">
               <a:rPr lang="en-US" smtClean="0"/>
-              <a:t>3/25/20</a:t>
+              <a:t>4/8/20</a:t>
             </a:fld>
             <a:endParaRPr lang="en-US"/>
           </a:p>
@@ -2380,7 +2380,7 @@
           <a:p>
             <a:fld id="{585353AE-F9D3-5641-AA34-42930FE16F63}" type="datetimeFigureOut">
               <a:rPr lang="en-US" smtClean="0"/>
-              <a:t>3/25/20</a:t>
+              <a:t>4/8/20</a:t>
             </a:fld>
             <a:endParaRPr lang="en-US"/>
           </a:p>
@@ -2668,7 +2668,7 @@
           <a:p>
             <a:fld id="{585353AE-F9D3-5641-AA34-42930FE16F63}" type="datetimeFigureOut">
               <a:rPr lang="en-US" smtClean="0"/>
-              <a:t>3/25/20</a:t>
+              <a:t>4/8/20</a:t>
             </a:fld>
             <a:endParaRPr lang="en-US"/>
           </a:p>
@@ -2909,7 +2909,7 @@
           <a:p>
             <a:fld id="{585353AE-F9D3-5641-AA34-42930FE16F63}" type="datetimeFigureOut">
               <a:rPr lang="en-US" smtClean="0"/>
-              <a:t>3/25/20</a:t>
+              <a:t>4/8/20</a:t>
             </a:fld>
             <a:endParaRPr lang="en-US"/>
           </a:p>
@@ -3328,10 +3328,10 @@
       </p:grpSpPr>
       <p:pic>
         <p:nvPicPr>
-          <p:cNvPr id="4" name="Picture 3">
-            <a:extLst>
-              <a:ext uri="{FF2B5EF4-FFF2-40B4-BE49-F238E27FC236}">
-                <a16:creationId xmlns:a16="http://schemas.microsoft.com/office/drawing/2014/main" id="{F77C7848-B0E2-4849-9AD3-CF0E845B19AA}"/>
+          <p:cNvPr id="5" name="Picture 4">
+            <a:extLst>
+              <a:ext uri="{FF2B5EF4-FFF2-40B4-BE49-F238E27FC236}">
+                <a16:creationId xmlns:a16="http://schemas.microsoft.com/office/drawing/2014/main" id="{A475BE9C-DB28-6443-B492-CEF7547B1266}"/>
               </a:ext>
             </a:extLst>
           </p:cNvPr>
@@ -3341,27 +3341,14 @@
           <p:nvPr/>
         </p:nvPicPr>
         <p:blipFill>
-          <a:blip r:embed="rId2">
-            <a:clrChange>
-              <a:clrFrom>
-                <a:srgbClr val="000000">
-                  <a:alpha val="0"/>
-                </a:srgbClr>
-              </a:clrFrom>
-              <a:clrTo>
-                <a:srgbClr val="000000">
-                  <a:alpha val="0"/>
-                </a:srgbClr>
-              </a:clrTo>
-            </a:clrChange>
-          </a:blip>
+          <a:blip r:embed="rId2"/>
           <a:stretch>
             <a:fillRect/>
           </a:stretch>
         </p:blipFill>
         <p:spPr>
           <a:xfrm>
-            <a:off x="2151003" y="2933700"/>
+            <a:off x="2157247" y="2933700"/>
             <a:ext cx="3924300" cy="3924300"/>
           </a:xfrm>
           <a:prstGeom prst="rect">
@@ -3383,10 +3370,10 @@
         </p:nvGrpSpPr>
         <p:grpSpPr>
           <a:xfrm>
-            <a:off x="2157247" y="46509"/>
-            <a:ext cx="7291552" cy="6737921"/>
-            <a:chOff x="2157247" y="120079"/>
-            <a:chExt cx="7291552" cy="6737921"/>
+            <a:off x="2065807" y="46509"/>
+            <a:ext cx="7382992" cy="6737921"/>
+            <a:chOff x="2065807" y="120079"/>
+            <a:chExt cx="7382992" cy="6737921"/>
           </a:xfrm>
         </p:grpSpPr>
         <p:grpSp>
@@ -3403,10 +3390,10 @@
           </p:nvGrpSpPr>
           <p:grpSpPr>
             <a:xfrm>
-              <a:off x="2157247" y="120079"/>
-              <a:ext cx="7291552" cy="3269508"/>
-              <a:chOff x="2157247" y="400072"/>
-              <a:chExt cx="7291552" cy="3269508"/>
+              <a:off x="2065807" y="120079"/>
+              <a:ext cx="7382992" cy="3269508"/>
+              <a:chOff x="2065807" y="400072"/>
+              <a:chExt cx="7382992" cy="3269508"/>
             </a:xfrm>
           </p:grpSpPr>
           <p:grpSp>
@@ -3502,7 +3489,7 @@
             </p:nvSpPr>
             <p:spPr>
               <a:xfrm>
-                <a:off x="2157247" y="405383"/>
+                <a:off x="2065807" y="405383"/>
                 <a:ext cx="652299" cy="369332"/>
               </a:xfrm>
               <a:prstGeom prst="rect">
@@ -3575,10 +3562,10 @@
           </p:nvGrpSpPr>
           <p:grpSpPr>
             <a:xfrm>
-              <a:off x="2224573" y="3509722"/>
-              <a:ext cx="7222583" cy="3348278"/>
-              <a:chOff x="2226216" y="3400833"/>
-              <a:chExt cx="7222583" cy="3348278"/>
+              <a:off x="2114845" y="3509722"/>
+              <a:ext cx="7332311" cy="3348278"/>
+              <a:chOff x="2116488" y="3400833"/>
+              <a:chExt cx="7332311" cy="3348278"/>
             </a:xfrm>
           </p:grpSpPr>
           <p:pic>
@@ -3637,7 +3624,7 @@
             </p:nvSpPr>
             <p:spPr>
               <a:xfrm>
-                <a:off x="2226216" y="3400833"/>
+                <a:off x="2116488" y="3400833"/>
                 <a:ext cx="652299" cy="369332"/>
               </a:xfrm>
               <a:prstGeom prst="rect">

--- a/figures/figure3.pptx
+++ b/figures/figure3.pptx
@@ -3326,36 +3326,6 @@
           <a:chExt cx="0" cy="0"/>
         </a:xfrm>
       </p:grpSpPr>
-      <p:pic>
-        <p:nvPicPr>
-          <p:cNvPr id="5" name="Picture 4">
-            <a:extLst>
-              <a:ext uri="{FF2B5EF4-FFF2-40B4-BE49-F238E27FC236}">
-                <a16:creationId xmlns:a16="http://schemas.microsoft.com/office/drawing/2014/main" id="{A475BE9C-DB28-6443-B492-CEF7547B1266}"/>
-              </a:ext>
-            </a:extLst>
-          </p:cNvPr>
-          <p:cNvPicPr>
-            <a:picLocks noChangeAspect="1"/>
-          </p:cNvPicPr>
-          <p:nvPr/>
-        </p:nvPicPr>
-        <p:blipFill>
-          <a:blip r:embed="rId2"/>
-          <a:stretch>
-            <a:fillRect/>
-          </a:stretch>
-        </p:blipFill>
-        <p:spPr>
-          <a:xfrm>
-            <a:off x="2157247" y="2933700"/>
-            <a:ext cx="3924300" cy="3924300"/>
-          </a:xfrm>
-          <a:prstGeom prst="rect">
-            <a:avLst/>
-          </a:prstGeom>
-        </p:spPr>
-      </p:pic>
       <p:grpSp>
         <p:nvGrpSpPr>
           <p:cNvPr id="2" name="Group 1">
@@ -3431,7 +3401,7 @@
                 <p:nvPr/>
               </p:nvPicPr>
               <p:blipFill rotWithShape="1">
-                <a:blip r:embed="rId3"/>
+                <a:blip r:embed="rId2"/>
                 <a:srcRect t="17783" r="8302" b="4815"/>
                 <a:stretch/>
               </p:blipFill>
@@ -3460,7 +3430,7 @@
                 <p:nvPr/>
               </p:nvPicPr>
               <p:blipFill rotWithShape="1">
-                <a:blip r:embed="rId4"/>
+                <a:blip r:embed="rId3"/>
                 <a:srcRect l="368" t="17783" r="8387" b="4815"/>
                 <a:stretch/>
               </p:blipFill>
@@ -3583,7 +3553,7 @@
               <p:nvPr/>
             </p:nvPicPr>
             <p:blipFill rotWithShape="1">
-              <a:blip r:embed="rId5">
+              <a:blip r:embed="rId4">
                 <a:clrChange>
                   <a:clrFrom>
                     <a:srgbClr val="000000">
@@ -3684,6 +3654,35 @@
           </p:sp>
         </p:grpSp>
       </p:grpSp>
+      <p:pic>
+        <p:nvPicPr>
+          <p:cNvPr id="4" name="Picture 3">
+            <a:extLst>
+              <a:ext uri="{FF2B5EF4-FFF2-40B4-BE49-F238E27FC236}">
+                <a16:creationId xmlns:a16="http://schemas.microsoft.com/office/drawing/2014/main" id="{ABC1F634-63A3-264C-A81F-5AD01CBF6F39}"/>
+              </a:ext>
+            </a:extLst>
+          </p:cNvPr>
+          <p:cNvPicPr>
+            <a:picLocks noChangeAspect="1"/>
+          </p:cNvPicPr>
+          <p:nvPr/>
+        </p:nvPicPr>
+        <p:blipFill rotWithShape="1">
+          <a:blip r:embed="rId5"/>
+          <a:srcRect t="17013" r="7565" b="3595"/>
+          <a:stretch/>
+        </p:blipFill>
+        <p:spPr>
+          <a:xfrm>
+            <a:off x="2222907" y="3704899"/>
+            <a:ext cx="3627411" cy="3115585"/>
+          </a:xfrm>
+          <a:prstGeom prst="rect">
+            <a:avLst/>
+          </a:prstGeom>
+        </p:spPr>
+      </p:pic>
     </p:spTree>
     <p:extLst>
       <p:ext uri="{BB962C8B-B14F-4D97-AF65-F5344CB8AC3E}">
